--- a/reparacion de compu/Cable UTP directo o cruzado.pptx
+++ b/reparacion de compu/Cable UTP directo o cruzado.pptx
@@ -107,6 +107,11 @@
       </a:defRPr>
     </a:lvl9pPr>
   </p:defaultTextStyle>
+  <p:extLst>
+    <p:ext uri="{EFAFB233-063F-42B5-8137-9DF3F51BA10A}">
+      <p15:sldGuideLst xmlns:p15="http://schemas.microsoft.com/office/powerpoint/2012/main"/>
+    </p:ext>
+  </p:extLst>
 </p:presentation>
 </file>
 
@@ -572,7 +577,7 @@
           <a:p>
             <a:fld id="{387CDD74-E885-41C4-AE48-FE4CF15F94B7}" type="datetimeFigureOut">
               <a:rPr lang="es-EC" smtClean="0"/>
-              <a:t>18/8/2023</a:t>
+              <a:t>9/9/2023</a:t>
             </a:fld>
             <a:endParaRPr lang="es-EC"/>
           </a:p>
@@ -774,7 +779,7 @@
           <a:p>
             <a:fld id="{387CDD74-E885-41C4-AE48-FE4CF15F94B7}" type="datetimeFigureOut">
               <a:rPr lang="es-EC" smtClean="0"/>
-              <a:t>18/8/2023</a:t>
+              <a:t>9/9/2023</a:t>
             </a:fld>
             <a:endParaRPr lang="es-EC"/>
           </a:p>
@@ -954,7 +959,7 @@
           <a:p>
             <a:fld id="{387CDD74-E885-41C4-AE48-FE4CF15F94B7}" type="datetimeFigureOut">
               <a:rPr lang="es-EC" smtClean="0"/>
-              <a:t>18/8/2023</a:t>
+              <a:t>9/9/2023</a:t>
             </a:fld>
             <a:endParaRPr lang="es-EC"/>
           </a:p>
@@ -1124,7 +1129,7 @@
           <a:p>
             <a:fld id="{387CDD74-E885-41C4-AE48-FE4CF15F94B7}" type="datetimeFigureOut">
               <a:rPr lang="es-EC" smtClean="0"/>
-              <a:t>18/8/2023</a:t>
+              <a:t>9/9/2023</a:t>
             </a:fld>
             <a:endParaRPr lang="es-EC"/>
           </a:p>
@@ -1695,7 +1700,7 @@
           <a:p>
             <a:fld id="{387CDD74-E885-41C4-AE48-FE4CF15F94B7}" type="datetimeFigureOut">
               <a:rPr lang="es-EC" smtClean="0"/>
-              <a:t>18/8/2023</a:t>
+              <a:t>9/9/2023</a:t>
             </a:fld>
             <a:endParaRPr lang="es-EC"/>
           </a:p>
@@ -1997,7 +2002,7 @@
           <a:p>
             <a:fld id="{387CDD74-E885-41C4-AE48-FE4CF15F94B7}" type="datetimeFigureOut">
               <a:rPr lang="es-EC" smtClean="0"/>
-              <a:t>18/8/2023</a:t>
+              <a:t>9/9/2023</a:t>
             </a:fld>
             <a:endParaRPr lang="es-EC"/>
           </a:p>
@@ -2434,7 +2439,7 @@
           <a:p>
             <a:fld id="{387CDD74-E885-41C4-AE48-FE4CF15F94B7}" type="datetimeFigureOut">
               <a:rPr lang="es-EC" smtClean="0"/>
-              <a:t>18/8/2023</a:t>
+              <a:t>9/9/2023</a:t>
             </a:fld>
             <a:endParaRPr lang="es-EC"/>
           </a:p>
@@ -2552,7 +2557,7 @@
           <a:p>
             <a:fld id="{387CDD74-E885-41C4-AE48-FE4CF15F94B7}" type="datetimeFigureOut">
               <a:rPr lang="es-EC" smtClean="0"/>
-              <a:t>18/8/2023</a:t>
+              <a:t>9/9/2023</a:t>
             </a:fld>
             <a:endParaRPr lang="es-EC"/>
           </a:p>
@@ -2647,7 +2652,7 @@
           <a:p>
             <a:fld id="{387CDD74-E885-41C4-AE48-FE4CF15F94B7}" type="datetimeFigureOut">
               <a:rPr lang="es-EC" smtClean="0"/>
-              <a:t>18/8/2023</a:t>
+              <a:t>9/9/2023</a:t>
             </a:fld>
             <a:endParaRPr lang="es-EC"/>
           </a:p>
@@ -3029,7 +3034,7 @@
           <a:p>
             <a:fld id="{387CDD74-E885-41C4-AE48-FE4CF15F94B7}" type="datetimeFigureOut">
               <a:rPr lang="es-EC" smtClean="0"/>
-              <a:t>18/8/2023</a:t>
+              <a:t>9/9/2023</a:t>
             </a:fld>
             <a:endParaRPr lang="es-EC"/>
           </a:p>
@@ -3423,7 +3428,7 @@
           <a:p>
             <a:fld id="{387CDD74-E885-41C4-AE48-FE4CF15F94B7}" type="datetimeFigureOut">
               <a:rPr lang="es-EC" smtClean="0"/>
-              <a:t>18/8/2023</a:t>
+              <a:t>9/9/2023</a:t>
             </a:fld>
             <a:endParaRPr lang="es-EC"/>
           </a:p>
@@ -3736,7 +3741,7 @@
           <a:p>
             <a:fld id="{387CDD74-E885-41C4-AE48-FE4CF15F94B7}" type="datetimeFigureOut">
               <a:rPr lang="es-EC" smtClean="0"/>
-              <a:t>18/8/2023</a:t>
+              <a:t>9/9/2023</a:t>
             </a:fld>
             <a:endParaRPr lang="es-EC"/>
           </a:p>
@@ -4736,7 +4741,7 @@
           <a:p>
             <a:r>
               <a:rPr lang="es-MX" dirty="0"/>
-              <a:t>Cuando usar un cable directo</a:t>
+              <a:t>Cuando usar un cable cruzado</a:t>
             </a:r>
             <a:endParaRPr lang="es-EC" dirty="0"/>
           </a:p>

--- a/reparacion de compu/Cable UTP directo o cruzado.pptx
+++ b/reparacion de compu/Cable UTP directo o cruzado.pptx
@@ -577,7 +577,7 @@
           <a:p>
             <a:fld id="{387CDD74-E885-41C4-AE48-FE4CF15F94B7}" type="datetimeFigureOut">
               <a:rPr lang="es-EC" smtClean="0"/>
-              <a:t>9/9/2023</a:t>
+              <a:t>21/9/2023</a:t>
             </a:fld>
             <a:endParaRPr lang="es-EC"/>
           </a:p>
@@ -779,7 +779,7 @@
           <a:p>
             <a:fld id="{387CDD74-E885-41C4-AE48-FE4CF15F94B7}" type="datetimeFigureOut">
               <a:rPr lang="es-EC" smtClean="0"/>
-              <a:t>9/9/2023</a:t>
+              <a:t>21/9/2023</a:t>
             </a:fld>
             <a:endParaRPr lang="es-EC"/>
           </a:p>
@@ -959,7 +959,7 @@
           <a:p>
             <a:fld id="{387CDD74-E885-41C4-AE48-FE4CF15F94B7}" type="datetimeFigureOut">
               <a:rPr lang="es-EC" smtClean="0"/>
-              <a:t>9/9/2023</a:t>
+              <a:t>21/9/2023</a:t>
             </a:fld>
             <a:endParaRPr lang="es-EC"/>
           </a:p>
@@ -1129,7 +1129,7 @@
           <a:p>
             <a:fld id="{387CDD74-E885-41C4-AE48-FE4CF15F94B7}" type="datetimeFigureOut">
               <a:rPr lang="es-EC" smtClean="0"/>
-              <a:t>9/9/2023</a:t>
+              <a:t>21/9/2023</a:t>
             </a:fld>
             <a:endParaRPr lang="es-EC"/>
           </a:p>
@@ -1700,7 +1700,7 @@
           <a:p>
             <a:fld id="{387CDD74-E885-41C4-AE48-FE4CF15F94B7}" type="datetimeFigureOut">
               <a:rPr lang="es-EC" smtClean="0"/>
-              <a:t>9/9/2023</a:t>
+              <a:t>21/9/2023</a:t>
             </a:fld>
             <a:endParaRPr lang="es-EC"/>
           </a:p>
@@ -2002,7 +2002,7 @@
           <a:p>
             <a:fld id="{387CDD74-E885-41C4-AE48-FE4CF15F94B7}" type="datetimeFigureOut">
               <a:rPr lang="es-EC" smtClean="0"/>
-              <a:t>9/9/2023</a:t>
+              <a:t>21/9/2023</a:t>
             </a:fld>
             <a:endParaRPr lang="es-EC"/>
           </a:p>
@@ -2439,7 +2439,7 @@
           <a:p>
             <a:fld id="{387CDD74-E885-41C4-AE48-FE4CF15F94B7}" type="datetimeFigureOut">
               <a:rPr lang="es-EC" smtClean="0"/>
-              <a:t>9/9/2023</a:t>
+              <a:t>21/9/2023</a:t>
             </a:fld>
             <a:endParaRPr lang="es-EC"/>
           </a:p>
@@ -2557,7 +2557,7 @@
           <a:p>
             <a:fld id="{387CDD74-E885-41C4-AE48-FE4CF15F94B7}" type="datetimeFigureOut">
               <a:rPr lang="es-EC" smtClean="0"/>
-              <a:t>9/9/2023</a:t>
+              <a:t>21/9/2023</a:t>
             </a:fld>
             <a:endParaRPr lang="es-EC"/>
           </a:p>
@@ -2652,7 +2652,7 @@
           <a:p>
             <a:fld id="{387CDD74-E885-41C4-AE48-FE4CF15F94B7}" type="datetimeFigureOut">
               <a:rPr lang="es-EC" smtClean="0"/>
-              <a:t>9/9/2023</a:t>
+              <a:t>21/9/2023</a:t>
             </a:fld>
             <a:endParaRPr lang="es-EC"/>
           </a:p>
@@ -3034,7 +3034,7 @@
           <a:p>
             <a:fld id="{387CDD74-E885-41C4-AE48-FE4CF15F94B7}" type="datetimeFigureOut">
               <a:rPr lang="es-EC" smtClean="0"/>
-              <a:t>9/9/2023</a:t>
+              <a:t>21/9/2023</a:t>
             </a:fld>
             <a:endParaRPr lang="es-EC"/>
           </a:p>
@@ -3428,7 +3428,7 @@
           <a:p>
             <a:fld id="{387CDD74-E885-41C4-AE48-FE4CF15F94B7}" type="datetimeFigureOut">
               <a:rPr lang="es-EC" smtClean="0"/>
-              <a:t>9/9/2023</a:t>
+              <a:t>21/9/2023</a:t>
             </a:fld>
             <a:endParaRPr lang="es-EC"/>
           </a:p>
@@ -3741,7 +3741,7 @@
           <a:p>
             <a:fld id="{387CDD74-E885-41C4-AE48-FE4CF15F94B7}" type="datetimeFigureOut">
               <a:rPr lang="es-EC" smtClean="0"/>
-              <a:t>9/9/2023</a:t>
+              <a:t>21/9/2023</a:t>
             </a:fld>
             <a:endParaRPr lang="es-EC"/>
           </a:p>
